--- a/Final/FinalPresentation.pptx
+++ b/Final/FinalPresentation.pptx
@@ -6,19 +6,20 @@
   </p:sldMasterIdLst>
   <p:sldIdLst>
     <p:sldId id="256" r:id="rId2"/>
-    <p:sldId id="257" r:id="rId3"/>
-    <p:sldId id="263" r:id="rId4"/>
-    <p:sldId id="260" r:id="rId5"/>
-    <p:sldId id="261" r:id="rId6"/>
-    <p:sldId id="266" r:id="rId7"/>
-    <p:sldId id="264" r:id="rId8"/>
-    <p:sldId id="265" r:id="rId9"/>
-    <p:sldId id="262" r:id="rId10"/>
-    <p:sldId id="267" r:id="rId11"/>
-    <p:sldId id="268" r:id="rId12"/>
-    <p:sldId id="269" r:id="rId13"/>
-    <p:sldId id="258" r:id="rId14"/>
-    <p:sldId id="259" r:id="rId15"/>
+    <p:sldId id="270" r:id="rId3"/>
+    <p:sldId id="257" r:id="rId4"/>
+    <p:sldId id="263" r:id="rId5"/>
+    <p:sldId id="260" r:id="rId6"/>
+    <p:sldId id="261" r:id="rId7"/>
+    <p:sldId id="266" r:id="rId8"/>
+    <p:sldId id="264" r:id="rId9"/>
+    <p:sldId id="265" r:id="rId10"/>
+    <p:sldId id="262" r:id="rId11"/>
+    <p:sldId id="267" r:id="rId12"/>
+    <p:sldId id="268" r:id="rId13"/>
+    <p:sldId id="269" r:id="rId14"/>
+    <p:sldId id="258" r:id="rId15"/>
+    <p:sldId id="259" r:id="rId16"/>
   </p:sldIdLst>
   <p:sldSz cx="12192000" cy="6858000"/>
   <p:notesSz cx="6858000" cy="9144000"/>
@@ -117,6 +118,11 @@
       </a:defRPr>
     </a:lvl9pPr>
   </p:defaultTextStyle>
+  <p:extLst>
+    <p:ext uri="{EFAFB233-063F-42B5-8137-9DF3F51BA10A}">
+      <p15:sldGuideLst xmlns:p15="http://schemas.microsoft.com/office/powerpoint/2012/main"/>
+    </p:ext>
+  </p:extLst>
 </p:presentation>
 </file>
 
@@ -334,7 +340,7 @@
             <a:fld id="{B61BEF0D-F0BB-DE4B-95CE-6DB70DBA9567}" type="datetimeFigureOut">
               <a:rPr lang="en-US" dirty="0"/>
               <a:pPr/>
-              <a:t>4/23/2013</a:t>
+              <a:t>4/25/2013</a:t>
             </a:fld>
             <a:endParaRPr lang="en-US" dirty="0"/>
           </a:p>
@@ -622,7 +628,7 @@
             <a:fld id="{B61BEF0D-F0BB-DE4B-95CE-6DB70DBA9567}" type="datetimeFigureOut">
               <a:rPr lang="en-US" dirty="0"/>
               <a:pPr/>
-              <a:t>4/23/2013</a:t>
+              <a:t>4/25/2013</a:t>
             </a:fld>
             <a:endParaRPr lang="en-US" dirty="0"/>
           </a:p>
@@ -878,7 +884,7 @@
             <a:fld id="{B61BEF0D-F0BB-DE4B-95CE-6DB70DBA9567}" type="datetimeFigureOut">
               <a:rPr lang="en-US" dirty="0"/>
               <a:pPr/>
-              <a:t>4/23/2013</a:t>
+              <a:t>4/25/2013</a:t>
             </a:fld>
             <a:endParaRPr lang="en-US" dirty="0"/>
           </a:p>
@@ -1344,7 +1350,7 @@
             <a:fld id="{B61BEF0D-F0BB-DE4B-95CE-6DB70DBA9567}" type="datetimeFigureOut">
               <a:rPr lang="en-US" dirty="0"/>
               <a:pPr/>
-              <a:t>4/23/2013</a:t>
+              <a:t>4/25/2013</a:t>
             </a:fld>
             <a:endParaRPr lang="en-US" dirty="0"/>
           </a:p>
@@ -1521,7 +1527,7 @@
             <a:fld id="{B61BEF0D-F0BB-DE4B-95CE-6DB70DBA9567}" type="datetimeFigureOut">
               <a:rPr lang="en-US" dirty="0"/>
               <a:pPr/>
-              <a:t>4/23/2013</a:t>
+              <a:t>4/25/2013</a:t>
             </a:fld>
             <a:endParaRPr lang="en-US" dirty="0"/>
           </a:p>
@@ -2094,7 +2100,7 @@
             <a:fld id="{B61BEF0D-F0BB-DE4B-95CE-6DB70DBA9567}" type="datetimeFigureOut">
               <a:rPr lang="en-US" dirty="0"/>
               <a:pPr/>
-              <a:t>4/23/2013</a:t>
+              <a:t>4/25/2013</a:t>
             </a:fld>
             <a:endParaRPr lang="en-US" dirty="0"/>
           </a:p>
@@ -2423,7 +2429,7 @@
             <a:fld id="{B61BEF0D-F0BB-DE4B-95CE-6DB70DBA9567}" type="datetimeFigureOut">
               <a:rPr lang="en-US" dirty="0"/>
               <a:pPr/>
-              <a:t>4/23/2013</a:t>
+              <a:t>4/25/2013</a:t>
             </a:fld>
             <a:endParaRPr lang="en-US" dirty="0"/>
           </a:p>
@@ -2595,7 +2601,7 @@
             <a:fld id="{B61BEF0D-F0BB-DE4B-95CE-6DB70DBA9567}" type="datetimeFigureOut">
               <a:rPr lang="en-US" dirty="0"/>
               <a:pPr/>
-              <a:t>4/23/2013</a:t>
+              <a:t>4/25/2013</a:t>
             </a:fld>
             <a:endParaRPr lang="en-US" dirty="0"/>
           </a:p>
@@ -2772,7 +2778,7 @@
             <a:fld id="{B61BEF0D-F0BB-DE4B-95CE-6DB70DBA9567}" type="datetimeFigureOut">
               <a:rPr lang="en-US" dirty="0"/>
               <a:pPr/>
-              <a:t>4/23/2013</a:t>
+              <a:t>4/25/2013</a:t>
             </a:fld>
             <a:endParaRPr lang="en-US" dirty="0"/>
           </a:p>
@@ -2939,7 +2945,7 @@
             <a:fld id="{B61BEF0D-F0BB-DE4B-95CE-6DB70DBA9567}" type="datetimeFigureOut">
               <a:rPr lang="en-US" dirty="0"/>
               <a:pPr/>
-              <a:t>4/23/2013</a:t>
+              <a:t>4/25/2013</a:t>
             </a:fld>
             <a:endParaRPr lang="en-US" dirty="0"/>
           </a:p>
@@ -3193,7 +3199,7 @@
             <a:fld id="{B61BEF0D-F0BB-DE4B-95CE-6DB70DBA9567}" type="datetimeFigureOut">
               <a:rPr lang="en-US" dirty="0"/>
               <a:pPr/>
-              <a:t>4/23/2013</a:t>
+              <a:t>4/25/2013</a:t>
             </a:fld>
             <a:endParaRPr lang="en-US" dirty="0"/>
           </a:p>
@@ -3482,7 +3488,7 @@
             <a:fld id="{B61BEF0D-F0BB-DE4B-95CE-6DB70DBA9567}" type="datetimeFigureOut">
               <a:rPr lang="en-US" dirty="0"/>
               <a:pPr/>
-              <a:t>4/23/2013</a:t>
+              <a:t>4/25/2013</a:t>
             </a:fld>
             <a:endParaRPr lang="en-US" dirty="0"/>
           </a:p>
@@ -3909,7 +3915,7 @@
             <a:fld id="{B61BEF0D-F0BB-DE4B-95CE-6DB70DBA9567}" type="datetimeFigureOut">
               <a:rPr lang="en-US" dirty="0"/>
               <a:pPr/>
-              <a:t>4/23/2013</a:t>
+              <a:t>4/25/2013</a:t>
             </a:fld>
             <a:endParaRPr lang="en-US" dirty="0"/>
           </a:p>
@@ -4024,7 +4030,7 @@
             <a:fld id="{B61BEF0D-F0BB-DE4B-95CE-6DB70DBA9567}" type="datetimeFigureOut">
               <a:rPr lang="en-US" dirty="0"/>
               <a:pPr/>
-              <a:t>4/23/2013</a:t>
+              <a:t>4/25/2013</a:t>
             </a:fld>
             <a:endParaRPr lang="en-US" dirty="0"/>
           </a:p>
@@ -4116,7 +4122,7 @@
             <a:fld id="{B61BEF0D-F0BB-DE4B-95CE-6DB70DBA9567}" type="datetimeFigureOut">
               <a:rPr lang="en-US" dirty="0"/>
               <a:pPr/>
-              <a:t>4/23/2013</a:t>
+              <a:t>4/25/2013</a:t>
             </a:fld>
             <a:endParaRPr lang="en-US" dirty="0"/>
           </a:p>
@@ -4396,7 +4402,7 @@
             <a:fld id="{B61BEF0D-F0BB-DE4B-95CE-6DB70DBA9567}" type="datetimeFigureOut">
               <a:rPr lang="en-US" dirty="0"/>
               <a:pPr/>
-              <a:t>4/23/2013</a:t>
+              <a:t>4/25/2013</a:t>
             </a:fld>
             <a:endParaRPr lang="en-US" dirty="0"/>
           </a:p>
@@ -4684,7 +4690,7 @@
             <a:fld id="{B61BEF0D-F0BB-DE4B-95CE-6DB70DBA9567}" type="datetimeFigureOut">
               <a:rPr lang="en-US" dirty="0"/>
               <a:pPr/>
-              <a:t>4/23/2013</a:t>
+              <a:t>4/25/2013</a:t>
             </a:fld>
             <a:endParaRPr lang="en-US" dirty="0"/>
           </a:p>
@@ -4912,7 +4918,7 @@
             <a:fld id="{B61BEF0D-F0BB-DE4B-95CE-6DB70DBA9567}" type="datetimeFigureOut">
               <a:rPr lang="en-US" dirty="0"/>
               <a:pPr/>
-              <a:t>4/23/2013</a:t>
+              <a:t>4/25/2013</a:t>
             </a:fld>
             <a:endParaRPr lang="en-US" dirty="0"/>
           </a:p>
@@ -5779,11 +5785,7 @@
           <a:p>
             <a:r>
               <a:rPr lang="en-US" dirty="0" smtClean="0"/>
-              <a:t>Windows Azure - </a:t>
-            </a:r>
-            <a:r>
-              <a:rPr lang="en-US" dirty="0" err="1" smtClean="0"/>
-              <a:t>WebService</a:t>
+              <a:t>Features - Backend</a:t>
             </a:r>
             <a:endParaRPr lang="en-US" dirty="0"/>
           </a:p>
@@ -5806,44 +5808,70 @@
           <a:p>
             <a:r>
               <a:rPr lang="en-US" dirty="0" smtClean="0"/>
-              <a:t>Features:</a:t>
+              <a:t>backend features include:</a:t>
             </a:r>
           </a:p>
           <a:p>
             <a:pPr lvl="1"/>
             <a:r>
               <a:rPr lang="en-US" dirty="0" smtClean="0"/>
-              <a:t>Table storage for storing raw data</a:t>
+              <a:t>Azure Backend Data Feeds</a:t>
             </a:r>
           </a:p>
           <a:p>
             <a:pPr lvl="1"/>
             <a:r>
               <a:rPr lang="en-US" dirty="0" smtClean="0"/>
-              <a:t>Blob storage for storing Images</a:t>
-            </a:r>
-          </a:p>
-          <a:p>
-            <a:pPr lvl="1"/>
-            <a:r>
-              <a:rPr lang="en-US" dirty="0" smtClean="0"/>
-              <a:t>JSON data used as communication method</a:t>
-            </a:r>
-          </a:p>
-          <a:p>
-            <a:pPr lvl="1"/>
-            <a:r>
-              <a:rPr lang="en-US" dirty="0" smtClean="0"/>
-              <a:t>Efficiency increased through LINQ functions</a:t>
-            </a:r>
-            <a:endParaRPr lang="en-US" dirty="0"/>
-          </a:p>
-        </p:txBody>
-      </p:sp>
+              <a:t>Custom Web Site / UI for updating backend data</a:t>
+            </a:r>
+          </a:p>
+        </p:txBody>
+      </p:sp>
+      <p:pic>
+        <p:nvPicPr>
+          <p:cNvPr id="2050" name="Picture 2" descr="http://www.hanifiguvenbas.com/wp-content/uploads/2012/02/windows-azure.png"/>
+          <p:cNvPicPr>
+            <a:picLocks noChangeAspect="1" noChangeArrowheads="1"/>
+          </p:cNvPicPr>
+          <p:nvPr/>
+        </p:nvPicPr>
+        <p:blipFill>
+          <a:blip r:embed="rId2">
+            <a:extLst>
+              <a:ext uri="{28A0092B-C50C-407E-A947-70E740481C1C}">
+                <a14:useLocalDpi xmlns:a14="http://schemas.microsoft.com/office/drawing/2010/main" val="0"/>
+              </a:ext>
+            </a:extLst>
+          </a:blip>
+          <a:srcRect/>
+          <a:stretch>
+            <a:fillRect/>
+          </a:stretch>
+        </p:blipFill>
+        <p:spPr bwMode="auto">
+          <a:xfrm>
+            <a:off x="7209517" y="1886953"/>
+            <a:ext cx="3539347" cy="1707459"/>
+          </a:xfrm>
+          <a:prstGeom prst="rect">
+            <a:avLst/>
+          </a:prstGeom>
+          <a:noFill/>
+          <a:extLst>
+            <a:ext uri="{909E8E84-426E-40DD-AFC4-6F175D3DCCD1}">
+              <a14:hiddenFill xmlns:a14="http://schemas.microsoft.com/office/drawing/2010/main">
+                <a:solidFill>
+                  <a:srgbClr val="FFFFFF"/>
+                </a:solidFill>
+              </a14:hiddenFill>
+            </a:ext>
+          </a:extLst>
+        </p:spPr>
+      </p:pic>
     </p:spTree>
     <p:extLst>
       <p:ext uri="{BB962C8B-B14F-4D97-AF65-F5344CB8AC3E}">
-        <p14:creationId xmlns:p14="http://schemas.microsoft.com/office/powerpoint/2010/main" val="1070981518"/>
+        <p14:creationId xmlns:p14="http://schemas.microsoft.com/office/powerpoint/2010/main" val="2864200949"/>
       </p:ext>
     </p:extLst>
   </p:cSld>
@@ -5887,6 +5915,114 @@
           <a:p>
             <a:r>
               <a:rPr lang="en-US" dirty="0" smtClean="0"/>
+              <a:t>Windows Azure - </a:t>
+            </a:r>
+            <a:r>
+              <a:rPr lang="en-US" dirty="0" err="1" smtClean="0"/>
+              <a:t>WebService</a:t>
+            </a:r>
+            <a:endParaRPr lang="en-US" dirty="0"/>
+          </a:p>
+        </p:txBody>
+      </p:sp>
+      <p:sp>
+        <p:nvSpPr>
+          <p:cNvPr id="3" name="Content Placeholder 2"/>
+          <p:cNvSpPr>
+            <a:spLocks noGrp="1"/>
+          </p:cNvSpPr>
+          <p:nvPr>
+            <p:ph idx="1"/>
+          </p:nvPr>
+        </p:nvSpPr>
+        <p:spPr/>
+        <p:txBody>
+          <a:bodyPr/>
+          <a:lstStyle/>
+          <a:p>
+            <a:r>
+              <a:rPr lang="en-US" dirty="0" smtClean="0"/>
+              <a:t>Features:</a:t>
+            </a:r>
+          </a:p>
+          <a:p>
+            <a:pPr lvl="1"/>
+            <a:r>
+              <a:rPr lang="en-US" dirty="0" smtClean="0"/>
+              <a:t>Table storage for storing raw data</a:t>
+            </a:r>
+          </a:p>
+          <a:p>
+            <a:pPr lvl="1"/>
+            <a:r>
+              <a:rPr lang="en-US" dirty="0" smtClean="0"/>
+              <a:t>Blob storage for storing Images</a:t>
+            </a:r>
+          </a:p>
+          <a:p>
+            <a:pPr lvl="1"/>
+            <a:r>
+              <a:rPr lang="en-US" dirty="0" smtClean="0"/>
+              <a:t>JSON data used as communication method</a:t>
+            </a:r>
+          </a:p>
+          <a:p>
+            <a:pPr lvl="1"/>
+            <a:r>
+              <a:rPr lang="en-US" dirty="0" smtClean="0"/>
+              <a:t>Efficiency increased through LINQ functions</a:t>
+            </a:r>
+            <a:endParaRPr lang="en-US" dirty="0"/>
+          </a:p>
+        </p:txBody>
+      </p:sp>
+    </p:spTree>
+    <p:extLst>
+      <p:ext uri="{BB962C8B-B14F-4D97-AF65-F5344CB8AC3E}">
+        <p14:creationId xmlns:p14="http://schemas.microsoft.com/office/powerpoint/2010/main" val="1070981518"/>
+      </p:ext>
+    </p:extLst>
+  </p:cSld>
+  <p:clrMapOvr>
+    <a:masterClrMapping/>
+  </p:clrMapOvr>
+</p:sld>
+</file>
+
+<file path=ppt/slides/slide12.xml><?xml version="1.0" encoding="utf-8"?>
+<p:sld xmlns:a="http://schemas.openxmlformats.org/drawingml/2006/main" xmlns:r="http://schemas.openxmlformats.org/officeDocument/2006/relationships" xmlns:p="http://schemas.openxmlformats.org/presentationml/2006/main">
+  <p:cSld>
+    <p:spTree>
+      <p:nvGrpSpPr>
+        <p:cNvPr id="1" name=""/>
+        <p:cNvGrpSpPr/>
+        <p:nvPr/>
+      </p:nvGrpSpPr>
+      <p:grpSpPr>
+        <a:xfrm>
+          <a:off x="0" y="0"/>
+          <a:ext cx="0" cy="0"/>
+          <a:chOff x="0" y="0"/>
+          <a:chExt cx="0" cy="0"/>
+        </a:xfrm>
+      </p:grpSpPr>
+      <p:sp>
+        <p:nvSpPr>
+          <p:cNvPr id="2" name="Title 1"/>
+          <p:cNvSpPr>
+            <a:spLocks noGrp="1"/>
+          </p:cNvSpPr>
+          <p:nvPr>
+            <p:ph type="title"/>
+          </p:nvPr>
+        </p:nvSpPr>
+        <p:spPr/>
+        <p:txBody>
+          <a:bodyPr/>
+          <a:lstStyle/>
+          <a:p>
+            <a:r>
+              <a:rPr lang="en-US" dirty="0" smtClean="0"/>
               <a:t>Custom MVC Web Site</a:t>
             </a:r>
             <a:endParaRPr lang="en-US" dirty="0"/>
@@ -5940,7 +6076,7 @@
 </p:sld>
 </file>
 
-<file path=ppt/slides/slide12.xml><?xml version="1.0" encoding="utf-8"?>
+<file path=ppt/slides/slide13.xml><?xml version="1.0" encoding="utf-8"?>
 <p:sld xmlns:a="http://schemas.openxmlformats.org/drawingml/2006/main" xmlns:r="http://schemas.openxmlformats.org/officeDocument/2006/relationships" xmlns:p="http://schemas.openxmlformats.org/presentationml/2006/main">
   <p:cSld>
     <p:spTree>
@@ -6060,7 +6196,7 @@
 </p:sld>
 </file>
 
-<file path=ppt/slides/slide13.xml><?xml version="1.0" encoding="utf-8"?>
+<file path=ppt/slides/slide14.xml><?xml version="1.0" encoding="utf-8"?>
 <p:sld xmlns:a="http://schemas.openxmlformats.org/drawingml/2006/main" xmlns:r="http://schemas.openxmlformats.org/officeDocument/2006/relationships" xmlns:p="http://schemas.openxmlformats.org/presentationml/2006/main">
   <p:cSld>
     <p:spTree>
@@ -6154,7 +6290,7 @@
 </p:sld>
 </file>
 
-<file path=ppt/slides/slide14.xml><?xml version="1.0" encoding="utf-8"?>
+<file path=ppt/slides/slide15.xml><?xml version="1.0" encoding="utf-8"?>
 <p:sld xmlns:a="http://schemas.openxmlformats.org/drawingml/2006/main" xmlns:r="http://schemas.openxmlformats.org/officeDocument/2006/relationships" xmlns:p="http://schemas.openxmlformats.org/presentationml/2006/main">
   <p:cSld>
     <p:spTree>
@@ -6260,7 +6396,7 @@
           <a:p>
             <a:r>
               <a:rPr lang="en-US" dirty="0" smtClean="0"/>
-              <a:t>Introduction</a:t>
+              <a:t>Thank you to Our sponsor</a:t>
             </a:r>
             <a:endParaRPr lang="en-US" dirty="0"/>
           </a:p>
@@ -6283,15 +6419,37 @@
           <a:p>
             <a:r>
               <a:rPr lang="en-US" dirty="0" smtClean="0"/>
-              <a:t>Task: Create a Windows Store App that Reimagines the School of CIS through Windows 8.</a:t>
-            </a:r>
+              <a:t>Eric Maino + Microsoft</a:t>
+            </a:r>
+          </a:p>
+          <a:p>
+            <a:pPr lvl="1"/>
+            <a:r>
+              <a:rPr lang="en-US" dirty="0" smtClean="0"/>
+              <a:t>Eric worked with us throughout the entire semester</a:t>
+            </a:r>
+          </a:p>
+          <a:p>
+            <a:pPr lvl="1"/>
+            <a:r>
+              <a:rPr lang="en-US" dirty="0" smtClean="0"/>
+              <a:t>Access to Microsoft Tools &amp; Technologies</a:t>
+            </a:r>
+          </a:p>
+          <a:p>
+            <a:pPr lvl="1"/>
+            <a:r>
+              <a:rPr lang="en-US" dirty="0" smtClean="0"/>
+              <a:t>Always around for discussion / Questions</a:t>
+            </a:r>
+            <a:endParaRPr lang="en-US" dirty="0"/>
           </a:p>
         </p:txBody>
       </p:sp>
     </p:spTree>
     <p:extLst>
       <p:ext uri="{BB962C8B-B14F-4D97-AF65-F5344CB8AC3E}">
-        <p14:creationId xmlns:p14="http://schemas.microsoft.com/office/powerpoint/2010/main" val="1836035273"/>
+        <p14:creationId xmlns:p14="http://schemas.microsoft.com/office/powerpoint/2010/main" val="3512776721"/>
       </p:ext>
     </p:extLst>
   </p:cSld>
@@ -6335,6 +6493,81 @@
           <a:p>
             <a:r>
               <a:rPr lang="en-US" dirty="0" smtClean="0"/>
+              <a:t>Introduction</a:t>
+            </a:r>
+            <a:endParaRPr lang="en-US" dirty="0"/>
+          </a:p>
+        </p:txBody>
+      </p:sp>
+      <p:sp>
+        <p:nvSpPr>
+          <p:cNvPr id="3" name="Content Placeholder 2"/>
+          <p:cNvSpPr>
+            <a:spLocks noGrp="1"/>
+          </p:cNvSpPr>
+          <p:nvPr>
+            <p:ph idx="1"/>
+          </p:nvPr>
+        </p:nvSpPr>
+        <p:spPr/>
+        <p:txBody>
+          <a:bodyPr/>
+          <a:lstStyle/>
+          <a:p>
+            <a:r>
+              <a:rPr lang="en-US" dirty="0" smtClean="0"/>
+              <a:t>Task: Create a Windows Store App that Reimagines the School of CIS through Windows 8.</a:t>
+            </a:r>
+          </a:p>
+        </p:txBody>
+      </p:sp>
+    </p:spTree>
+    <p:extLst>
+      <p:ext uri="{BB962C8B-B14F-4D97-AF65-F5344CB8AC3E}">
+        <p14:creationId xmlns:p14="http://schemas.microsoft.com/office/powerpoint/2010/main" val="1836035273"/>
+      </p:ext>
+    </p:extLst>
+  </p:cSld>
+  <p:clrMapOvr>
+    <a:masterClrMapping/>
+  </p:clrMapOvr>
+</p:sld>
+</file>
+
+<file path=ppt/slides/slide4.xml><?xml version="1.0" encoding="utf-8"?>
+<p:sld xmlns:a="http://schemas.openxmlformats.org/drawingml/2006/main" xmlns:r="http://schemas.openxmlformats.org/officeDocument/2006/relationships" xmlns:p="http://schemas.openxmlformats.org/presentationml/2006/main">
+  <p:cSld>
+    <p:spTree>
+      <p:nvGrpSpPr>
+        <p:cNvPr id="1" name=""/>
+        <p:cNvGrpSpPr/>
+        <p:nvPr/>
+      </p:nvGrpSpPr>
+      <p:grpSpPr>
+        <a:xfrm>
+          <a:off x="0" y="0"/>
+          <a:ext cx="0" cy="0"/>
+          <a:chOff x="0" y="0"/>
+          <a:chExt cx="0" cy="0"/>
+        </a:xfrm>
+      </p:grpSpPr>
+      <p:sp>
+        <p:nvSpPr>
+          <p:cNvPr id="2" name="Title 1"/>
+          <p:cNvSpPr>
+            <a:spLocks noGrp="1"/>
+          </p:cNvSpPr>
+          <p:nvPr>
+            <p:ph type="title"/>
+          </p:nvPr>
+        </p:nvSpPr>
+        <p:spPr/>
+        <p:txBody>
+          <a:bodyPr/>
+          <a:lstStyle/>
+          <a:p>
+            <a:r>
+              <a:rPr lang="en-US" dirty="0" smtClean="0"/>
               <a:t>Purpose</a:t>
             </a:r>
             <a:endParaRPr lang="en-US" dirty="0"/>
@@ -6396,7 +6629,7 @@
 </p:sld>
 </file>
 
-<file path=ppt/slides/slide4.xml><?xml version="1.0" encoding="utf-8"?>
+<file path=ppt/slides/slide5.xml><?xml version="1.0" encoding="utf-8"?>
 <p:sld xmlns:a="http://schemas.openxmlformats.org/drawingml/2006/main" xmlns:r="http://schemas.openxmlformats.org/officeDocument/2006/relationships" xmlns:p="http://schemas.openxmlformats.org/presentationml/2006/main">
   <p:cSld>
     <p:spTree>
@@ -6641,113 +6874,6 @@
 </p:sld>
 </file>
 
-<file path=ppt/slides/slide5.xml><?xml version="1.0" encoding="utf-8"?>
-<p:sld xmlns:a="http://schemas.openxmlformats.org/drawingml/2006/main" xmlns:r="http://schemas.openxmlformats.org/officeDocument/2006/relationships" xmlns:p="http://schemas.openxmlformats.org/presentationml/2006/main">
-  <p:cSld>
-    <p:spTree>
-      <p:nvGrpSpPr>
-        <p:cNvPr id="1" name=""/>
-        <p:cNvGrpSpPr/>
-        <p:nvPr/>
-      </p:nvGrpSpPr>
-      <p:grpSpPr>
-        <a:xfrm>
-          <a:off x="0" y="0"/>
-          <a:ext cx="0" cy="0"/>
-          <a:chOff x="0" y="0"/>
-          <a:chExt cx="0" cy="0"/>
-        </a:xfrm>
-      </p:grpSpPr>
-      <p:sp>
-        <p:nvSpPr>
-          <p:cNvPr id="2" name="Title 1"/>
-          <p:cNvSpPr>
-            <a:spLocks noGrp="1"/>
-          </p:cNvSpPr>
-          <p:nvPr>
-            <p:ph type="title"/>
-          </p:nvPr>
-        </p:nvSpPr>
-        <p:spPr/>
-        <p:txBody>
-          <a:bodyPr/>
-          <a:lstStyle/>
-          <a:p>
-            <a:r>
-              <a:rPr lang="en-US" dirty="0" smtClean="0"/>
-              <a:t>Features – Front End</a:t>
-            </a:r>
-            <a:endParaRPr lang="en-US" dirty="0"/>
-          </a:p>
-        </p:txBody>
-      </p:sp>
-      <p:sp>
-        <p:nvSpPr>
-          <p:cNvPr id="3" name="Content Placeholder 2"/>
-          <p:cNvSpPr>
-            <a:spLocks noGrp="1"/>
-          </p:cNvSpPr>
-          <p:nvPr>
-            <p:ph idx="1"/>
-          </p:nvPr>
-        </p:nvSpPr>
-        <p:spPr/>
-        <p:txBody>
-          <a:bodyPr/>
-          <a:lstStyle/>
-          <a:p>
-            <a:r>
-              <a:rPr lang="en-US" dirty="0" smtClean="0"/>
-              <a:t>Our app provides:</a:t>
-            </a:r>
-          </a:p>
-          <a:p>
-            <a:pPr lvl="1"/>
-            <a:r>
-              <a:rPr lang="en-US" dirty="0" smtClean="0"/>
-              <a:t>Professor information</a:t>
-            </a:r>
-          </a:p>
-          <a:p>
-            <a:pPr lvl="1"/>
-            <a:r>
-              <a:rPr lang="en-US" dirty="0" smtClean="0"/>
-              <a:t>RSS Feeds for GVSU News / Events</a:t>
-            </a:r>
-          </a:p>
-          <a:p>
-            <a:pPr lvl="1"/>
-            <a:r>
-              <a:rPr lang="en-US" dirty="0" smtClean="0"/>
-              <a:t>Twitter feeds</a:t>
-            </a:r>
-          </a:p>
-          <a:p>
-            <a:pPr lvl="1"/>
-            <a:r>
-              <a:rPr lang="en-US" dirty="0" smtClean="0"/>
-              <a:t>YouTube Video Feed from the School of CIS</a:t>
-            </a:r>
-          </a:p>
-          <a:p>
-            <a:pPr lvl="1"/>
-            <a:endParaRPr lang="en-US" dirty="0"/>
-          </a:p>
-        </p:txBody>
-      </p:sp>
-    </p:spTree>
-    <p:extLst>
-      <p:ext uri="{BB962C8B-B14F-4D97-AF65-F5344CB8AC3E}">
-        <p14:creationId xmlns:p14="http://schemas.microsoft.com/office/powerpoint/2010/main" val="2830298510"/>
-      </p:ext>
-    </p:extLst>
-  </p:cSld>
-  <p:clrMapOvr>
-    <a:masterClrMapping/>
-  </p:clrMapOvr>
-</p:sld>
-</file>
-
 <file path=ppt/slides/slide6.xml><?xml version="1.0" encoding="utf-8"?>
 <p:sld xmlns:a="http://schemas.openxmlformats.org/drawingml/2006/main" xmlns:r="http://schemas.openxmlformats.org/officeDocument/2006/relationships" xmlns:p="http://schemas.openxmlformats.org/presentationml/2006/main">
   <p:cSld>
@@ -6782,6 +6908,113 @@
           <a:p>
             <a:r>
               <a:rPr lang="en-US" dirty="0" smtClean="0"/>
+              <a:t>Features – Front End</a:t>
+            </a:r>
+            <a:endParaRPr lang="en-US" dirty="0"/>
+          </a:p>
+        </p:txBody>
+      </p:sp>
+      <p:sp>
+        <p:nvSpPr>
+          <p:cNvPr id="3" name="Content Placeholder 2"/>
+          <p:cNvSpPr>
+            <a:spLocks noGrp="1"/>
+          </p:cNvSpPr>
+          <p:nvPr>
+            <p:ph idx="1"/>
+          </p:nvPr>
+        </p:nvSpPr>
+        <p:spPr/>
+        <p:txBody>
+          <a:bodyPr/>
+          <a:lstStyle/>
+          <a:p>
+            <a:r>
+              <a:rPr lang="en-US" dirty="0" smtClean="0"/>
+              <a:t>Our app provides:</a:t>
+            </a:r>
+          </a:p>
+          <a:p>
+            <a:pPr lvl="1"/>
+            <a:r>
+              <a:rPr lang="en-US" dirty="0" smtClean="0"/>
+              <a:t>Professor information</a:t>
+            </a:r>
+          </a:p>
+          <a:p>
+            <a:pPr lvl="1"/>
+            <a:r>
+              <a:rPr lang="en-US" dirty="0" smtClean="0"/>
+              <a:t>RSS Feeds for GVSU News / Events</a:t>
+            </a:r>
+          </a:p>
+          <a:p>
+            <a:pPr lvl="1"/>
+            <a:r>
+              <a:rPr lang="en-US" dirty="0" smtClean="0"/>
+              <a:t>Twitter feeds</a:t>
+            </a:r>
+          </a:p>
+          <a:p>
+            <a:pPr lvl="1"/>
+            <a:r>
+              <a:rPr lang="en-US" dirty="0" smtClean="0"/>
+              <a:t>YouTube Video Feed from the School of CIS</a:t>
+            </a:r>
+          </a:p>
+          <a:p>
+            <a:pPr lvl="1"/>
+            <a:endParaRPr lang="en-US" dirty="0"/>
+          </a:p>
+        </p:txBody>
+      </p:sp>
+    </p:spTree>
+    <p:extLst>
+      <p:ext uri="{BB962C8B-B14F-4D97-AF65-F5344CB8AC3E}">
+        <p14:creationId xmlns:p14="http://schemas.microsoft.com/office/powerpoint/2010/main" val="2830298510"/>
+      </p:ext>
+    </p:extLst>
+  </p:cSld>
+  <p:clrMapOvr>
+    <a:masterClrMapping/>
+  </p:clrMapOvr>
+</p:sld>
+</file>
+
+<file path=ppt/slides/slide7.xml><?xml version="1.0" encoding="utf-8"?>
+<p:sld xmlns:a="http://schemas.openxmlformats.org/drawingml/2006/main" xmlns:r="http://schemas.openxmlformats.org/officeDocument/2006/relationships" xmlns:p="http://schemas.openxmlformats.org/presentationml/2006/main">
+  <p:cSld>
+    <p:spTree>
+      <p:nvGrpSpPr>
+        <p:cNvPr id="1" name=""/>
+        <p:cNvGrpSpPr/>
+        <p:nvPr/>
+      </p:nvGrpSpPr>
+      <p:grpSpPr>
+        <a:xfrm>
+          <a:off x="0" y="0"/>
+          <a:ext cx="0" cy="0"/>
+          <a:chOff x="0" y="0"/>
+          <a:chExt cx="0" cy="0"/>
+        </a:xfrm>
+      </p:grpSpPr>
+      <p:sp>
+        <p:nvSpPr>
+          <p:cNvPr id="2" name="Title 1"/>
+          <p:cNvSpPr>
+            <a:spLocks noGrp="1"/>
+          </p:cNvSpPr>
+          <p:nvPr>
+            <p:ph type="title"/>
+          </p:nvPr>
+        </p:nvSpPr>
+        <p:spPr/>
+        <p:txBody>
+          <a:bodyPr/>
+          <a:lstStyle/>
+          <a:p>
+            <a:r>
+              <a:rPr lang="en-US" dirty="0" smtClean="0"/>
               <a:t>Design</a:t>
             </a:r>
             <a:endParaRPr lang="en-US" dirty="0"/>
@@ -6842,7 +7075,7 @@
 </p:sld>
 </file>
 
-<file path=ppt/slides/slide7.xml><?xml version="1.0" encoding="utf-8"?>
+<file path=ppt/slides/slide8.xml><?xml version="1.0" encoding="utf-8"?>
 <p:sld xmlns:a="http://schemas.openxmlformats.org/drawingml/2006/main" xmlns:r="http://schemas.openxmlformats.org/officeDocument/2006/relationships" xmlns:p="http://schemas.openxmlformats.org/presentationml/2006/main">
   <p:cSld>
     <p:spTree>
@@ -6921,7 +7154,7 @@
 </p:sld>
 </file>
 
-<file path=ppt/slides/slide8.xml><?xml version="1.0" encoding="utf-8"?>
+<file path=ppt/slides/slide9.xml><?xml version="1.0" encoding="utf-8"?>
 <p:sld xmlns:a="http://schemas.openxmlformats.org/drawingml/2006/main" xmlns:r="http://schemas.openxmlformats.org/officeDocument/2006/relationships" xmlns:p="http://schemas.openxmlformats.org/presentationml/2006/main">
   <p:cSld>
     <p:spTree>
@@ -6991,136 +7224,6 @@
     <p:extLst>
       <p:ext uri="{BB962C8B-B14F-4D97-AF65-F5344CB8AC3E}">
         <p14:creationId xmlns:p14="http://schemas.microsoft.com/office/powerpoint/2010/main" val="3829977192"/>
-      </p:ext>
-    </p:extLst>
-  </p:cSld>
-  <p:clrMapOvr>
-    <a:masterClrMapping/>
-  </p:clrMapOvr>
-</p:sld>
-</file>
-
-<file path=ppt/slides/slide9.xml><?xml version="1.0" encoding="utf-8"?>
-<p:sld xmlns:a="http://schemas.openxmlformats.org/drawingml/2006/main" xmlns:r="http://schemas.openxmlformats.org/officeDocument/2006/relationships" xmlns:p="http://schemas.openxmlformats.org/presentationml/2006/main">
-  <p:cSld>
-    <p:spTree>
-      <p:nvGrpSpPr>
-        <p:cNvPr id="1" name=""/>
-        <p:cNvGrpSpPr/>
-        <p:nvPr/>
-      </p:nvGrpSpPr>
-      <p:grpSpPr>
-        <a:xfrm>
-          <a:off x="0" y="0"/>
-          <a:ext cx="0" cy="0"/>
-          <a:chOff x="0" y="0"/>
-          <a:chExt cx="0" cy="0"/>
-        </a:xfrm>
-      </p:grpSpPr>
-      <p:sp>
-        <p:nvSpPr>
-          <p:cNvPr id="2" name="Title 1"/>
-          <p:cNvSpPr>
-            <a:spLocks noGrp="1"/>
-          </p:cNvSpPr>
-          <p:nvPr>
-            <p:ph type="title"/>
-          </p:nvPr>
-        </p:nvSpPr>
-        <p:spPr/>
-        <p:txBody>
-          <a:bodyPr/>
-          <a:lstStyle/>
-          <a:p>
-            <a:r>
-              <a:rPr lang="en-US" dirty="0" smtClean="0"/>
-              <a:t>Features - Backend</a:t>
-            </a:r>
-            <a:endParaRPr lang="en-US" dirty="0"/>
-          </a:p>
-        </p:txBody>
-      </p:sp>
-      <p:sp>
-        <p:nvSpPr>
-          <p:cNvPr id="3" name="Content Placeholder 2"/>
-          <p:cNvSpPr>
-            <a:spLocks noGrp="1"/>
-          </p:cNvSpPr>
-          <p:nvPr>
-            <p:ph idx="1"/>
-          </p:nvPr>
-        </p:nvSpPr>
-        <p:spPr/>
-        <p:txBody>
-          <a:bodyPr/>
-          <a:lstStyle/>
-          <a:p>
-            <a:r>
-              <a:rPr lang="en-US" dirty="0" smtClean="0"/>
-              <a:t>backend features include:</a:t>
-            </a:r>
-          </a:p>
-          <a:p>
-            <a:pPr lvl="1"/>
-            <a:r>
-              <a:rPr lang="en-US" dirty="0" smtClean="0"/>
-              <a:t>Azure Backend Data Feeds</a:t>
-            </a:r>
-          </a:p>
-          <a:p>
-            <a:pPr lvl="1"/>
-            <a:r>
-              <a:rPr lang="en-US" dirty="0" smtClean="0"/>
-              <a:t>Custom Web Site / UI for updating backend data</a:t>
-            </a:r>
-          </a:p>
-        </p:txBody>
-      </p:sp>
-      <p:pic>
-        <p:nvPicPr>
-          <p:cNvPr id="2050" name="Picture 2" descr="http://www.hanifiguvenbas.com/wp-content/uploads/2012/02/windows-azure.png"/>
-          <p:cNvPicPr>
-            <a:picLocks noChangeAspect="1" noChangeArrowheads="1"/>
-          </p:cNvPicPr>
-          <p:nvPr/>
-        </p:nvPicPr>
-        <p:blipFill>
-          <a:blip r:embed="rId2">
-            <a:extLst>
-              <a:ext uri="{28A0092B-C50C-407E-A947-70E740481C1C}">
-                <a14:useLocalDpi xmlns:a14="http://schemas.microsoft.com/office/drawing/2010/main" val="0"/>
-              </a:ext>
-            </a:extLst>
-          </a:blip>
-          <a:srcRect/>
-          <a:stretch>
-            <a:fillRect/>
-          </a:stretch>
-        </p:blipFill>
-        <p:spPr bwMode="auto">
-          <a:xfrm>
-            <a:off x="7209517" y="1886953"/>
-            <a:ext cx="3539347" cy="1707459"/>
-          </a:xfrm>
-          <a:prstGeom prst="rect">
-            <a:avLst/>
-          </a:prstGeom>
-          <a:noFill/>
-          <a:extLst>
-            <a:ext uri="{909E8E84-426E-40DD-AFC4-6F175D3DCCD1}">
-              <a14:hiddenFill xmlns:a14="http://schemas.microsoft.com/office/drawing/2010/main">
-                <a:solidFill>
-                  <a:srgbClr val="FFFFFF"/>
-                </a:solidFill>
-              </a14:hiddenFill>
-            </a:ext>
-          </a:extLst>
-        </p:spPr>
-      </p:pic>
-    </p:spTree>
-    <p:extLst>
-      <p:ext uri="{BB962C8B-B14F-4D97-AF65-F5344CB8AC3E}">
-        <p14:creationId xmlns:p14="http://schemas.microsoft.com/office/powerpoint/2010/main" val="2864200949"/>
       </p:ext>
     </p:extLst>
   </p:cSld>
